--- a/Lectures/lecture12.pptx
+++ b/Lectures/lecture12.pptx
@@ -223,7 +223,7 @@
           <a:p>
             <a:fld id="{6BA546CD-0611-7545-8F55-072F0299D807}" type="datetimeFigureOut">
               <a:rPr lang="en-US" smtClean="0"/>
-              <a:t>8/13/22</a:t>
+              <a:t>8/15/22</a:t>
             </a:fld>
             <a:endParaRPr lang="en-US"/>
           </a:p>
@@ -721,7 +721,7 @@
           <a:p>
             <a:fld id="{9DCA369C-CB3F-4260-86E8-FD3F54C73225}" type="datetimeFigureOut">
               <a:rPr lang="en-US" smtClean="0"/>
-              <a:t>8/13/22</a:t>
+              <a:t>8/15/22</a:t>
             </a:fld>
             <a:endParaRPr lang="en-US"/>
           </a:p>
@@ -987,7 +987,7 @@
           <a:p>
             <a:fld id="{9DCA369C-CB3F-4260-86E8-FD3F54C73225}" type="datetimeFigureOut">
               <a:rPr lang="en-US" smtClean="0"/>
-              <a:t>8/13/22</a:t>
+              <a:t>8/15/22</a:t>
             </a:fld>
             <a:endParaRPr lang="en-US"/>
           </a:p>
@@ -1195,7 +1195,7 @@
           <a:p>
             <a:fld id="{9DCA369C-CB3F-4260-86E8-FD3F54C73225}" type="datetimeFigureOut">
               <a:rPr lang="en-US" smtClean="0"/>
-              <a:t>8/13/22</a:t>
+              <a:t>8/15/22</a:t>
             </a:fld>
             <a:endParaRPr lang="en-US"/>
           </a:p>
@@ -1443,7 +1443,7 @@
           <a:p>
             <a:fld id="{9DCA369C-CB3F-4260-86E8-FD3F54C73225}" type="datetimeFigureOut">
               <a:rPr lang="en-US" smtClean="0"/>
-              <a:t>8/13/22</a:t>
+              <a:t>8/15/22</a:t>
             </a:fld>
             <a:endParaRPr lang="en-US"/>
           </a:p>
@@ -1799,7 +1799,7 @@
           <a:p>
             <a:fld id="{9DCA369C-CB3F-4260-86E8-FD3F54C73225}" type="datetimeFigureOut">
               <a:rPr lang="en-US" smtClean="0"/>
-              <a:t>8/13/22</a:t>
+              <a:t>8/15/22</a:t>
             </a:fld>
             <a:endParaRPr lang="en-US"/>
           </a:p>
@@ -2064,7 +2064,7 @@
           <a:p>
             <a:fld id="{9DCA369C-CB3F-4260-86E8-FD3F54C73225}" type="datetimeFigureOut">
               <a:rPr lang="en-US" smtClean="0"/>
-              <a:t>8/13/22</a:t>
+              <a:t>8/15/22</a:t>
             </a:fld>
             <a:endParaRPr lang="en-US"/>
           </a:p>
@@ -2476,7 +2476,7 @@
           <a:p>
             <a:fld id="{9DCA369C-CB3F-4260-86E8-FD3F54C73225}" type="datetimeFigureOut">
               <a:rPr lang="en-US" smtClean="0"/>
-              <a:t>8/13/22</a:t>
+              <a:t>8/15/22</a:t>
             </a:fld>
             <a:endParaRPr lang="en-US"/>
           </a:p>
@@ -2617,7 +2617,7 @@
           <a:p>
             <a:fld id="{9DCA369C-CB3F-4260-86E8-FD3F54C73225}" type="datetimeFigureOut">
               <a:rPr lang="en-US" smtClean="0"/>
-              <a:t>8/13/22</a:t>
+              <a:t>8/15/22</a:t>
             </a:fld>
             <a:endParaRPr lang="en-US"/>
           </a:p>
@@ -2730,7 +2730,7 @@
           <a:p>
             <a:fld id="{9DCA369C-CB3F-4260-86E8-FD3F54C73225}" type="datetimeFigureOut">
               <a:rPr lang="en-US" smtClean="0"/>
-              <a:t>8/13/22</a:t>
+              <a:t>8/15/22</a:t>
             </a:fld>
             <a:endParaRPr lang="en-US"/>
           </a:p>
@@ -3041,7 +3041,7 @@
           <a:p>
             <a:fld id="{9DCA369C-CB3F-4260-86E8-FD3F54C73225}" type="datetimeFigureOut">
               <a:rPr lang="en-US" smtClean="0"/>
-              <a:t>8/13/22</a:t>
+              <a:t>8/15/22</a:t>
             </a:fld>
             <a:endParaRPr lang="en-US"/>
           </a:p>
@@ -3329,7 +3329,7 @@
           <a:p>
             <a:fld id="{9DCA369C-CB3F-4260-86E8-FD3F54C73225}" type="datetimeFigureOut">
               <a:rPr lang="en-US" smtClean="0"/>
-              <a:t>8/13/22</a:t>
+              <a:t>8/15/22</a:t>
             </a:fld>
             <a:endParaRPr lang="en-US"/>
           </a:p>
@@ -3570,7 +3570,7 @@
           <a:p>
             <a:fld id="{9DCA369C-CB3F-4260-86E8-FD3F54C73225}" type="datetimeFigureOut">
               <a:rPr lang="en-US" smtClean="0"/>
-              <a:t>8/13/22</a:t>
+              <a:t>8/15/22</a:t>
             </a:fld>
             <a:endParaRPr lang="en-US"/>
           </a:p>
@@ -8842,12 +8842,16 @@
               <a:t>Each new 2-point net is </a:t>
             </a:r>
             <a:r>
+              <a:rPr lang="en-US" b="1" i="1" dirty="0"/>
+              <a:t>weighted</a:t>
+            </a:r>
+            <a:r>
               <a:rPr lang="en-US" b="1" dirty="0">
                 <a:solidFill>
                   <a:srgbClr val="990000"/>
                 </a:solidFill>
               </a:rPr>
-              <a:t>weighted </a:t>
+              <a:t> </a:t>
             </a:r>
             <a:r>
               <a:rPr lang="en-US" b="1" dirty="0"/>
@@ -8893,11 +8897,7 @@
               <a:t> nets. Need to </a:t>
             </a:r>
             <a:r>
-              <a:rPr lang="en-US" b="1" dirty="0">
-                <a:solidFill>
-                  <a:srgbClr val="800000"/>
-                </a:solidFill>
-              </a:rPr>
+              <a:rPr lang="en-US" b="1" i="1" dirty="0"/>
               <a:t>compensate</a:t>
             </a:r>
             <a:r>
